--- a/Docs/SAM_IoT_Certs_Generator.pptx
+++ b/Docs/SAM_IoT_Certs_Generator.pptx
@@ -270,7 +270,7 @@
           <a:p>
             <a:fld id="{E2F76411-FD66-3B44-B183-E538A4B5CD8B}" type="datetimeFigureOut">
               <a:rPr lang="en-US" smtClean="0"/>
-              <a:t>4/20/21</a:t>
+              <a:t>4/28/21</a:t>
             </a:fld>
             <a:endParaRPr lang="en-US"/>
           </a:p>
@@ -468,7 +468,7 @@
           <a:p>
             <a:fld id="{E2F76411-FD66-3B44-B183-E538A4B5CD8B}" type="datetimeFigureOut">
               <a:rPr lang="en-US" smtClean="0"/>
-              <a:t>4/20/21</a:t>
+              <a:t>4/28/21</a:t>
             </a:fld>
             <a:endParaRPr lang="en-US"/>
           </a:p>
@@ -676,7 +676,7 @@
           <a:p>
             <a:fld id="{E2F76411-FD66-3B44-B183-E538A4B5CD8B}" type="datetimeFigureOut">
               <a:rPr lang="en-US" smtClean="0"/>
-              <a:t>4/20/21</a:t>
+              <a:t>4/28/21</a:t>
             </a:fld>
             <a:endParaRPr lang="en-US"/>
           </a:p>
@@ -874,7 +874,7 @@
           <a:p>
             <a:fld id="{E2F76411-FD66-3B44-B183-E538A4B5CD8B}" type="datetimeFigureOut">
               <a:rPr lang="en-US" smtClean="0"/>
-              <a:t>4/20/21</a:t>
+              <a:t>4/28/21</a:t>
             </a:fld>
             <a:endParaRPr lang="en-US"/>
           </a:p>
@@ -1149,7 +1149,7 @@
           <a:p>
             <a:fld id="{E2F76411-FD66-3B44-B183-E538A4B5CD8B}" type="datetimeFigureOut">
               <a:rPr lang="en-US" smtClean="0"/>
-              <a:t>4/20/21</a:t>
+              <a:t>4/28/21</a:t>
             </a:fld>
             <a:endParaRPr lang="en-US"/>
           </a:p>
@@ -1414,7 +1414,7 @@
           <a:p>
             <a:fld id="{E2F76411-FD66-3B44-B183-E538A4B5CD8B}" type="datetimeFigureOut">
               <a:rPr lang="en-US" smtClean="0"/>
-              <a:t>4/20/21</a:t>
+              <a:t>4/28/21</a:t>
             </a:fld>
             <a:endParaRPr lang="en-US"/>
           </a:p>
@@ -1826,7 +1826,7 @@
           <a:p>
             <a:fld id="{E2F76411-FD66-3B44-B183-E538A4B5CD8B}" type="datetimeFigureOut">
               <a:rPr lang="en-US" smtClean="0"/>
-              <a:t>4/20/21</a:t>
+              <a:t>4/28/21</a:t>
             </a:fld>
             <a:endParaRPr lang="en-US"/>
           </a:p>
@@ -1967,7 +1967,7 @@
           <a:p>
             <a:fld id="{E2F76411-FD66-3B44-B183-E538A4B5CD8B}" type="datetimeFigureOut">
               <a:rPr lang="en-US" smtClean="0"/>
-              <a:t>4/20/21</a:t>
+              <a:t>4/28/21</a:t>
             </a:fld>
             <a:endParaRPr lang="en-US"/>
           </a:p>
@@ -2080,7 +2080,7 @@
           <a:p>
             <a:fld id="{E2F76411-FD66-3B44-B183-E538A4B5CD8B}" type="datetimeFigureOut">
               <a:rPr lang="en-US" smtClean="0"/>
-              <a:t>4/20/21</a:t>
+              <a:t>4/28/21</a:t>
             </a:fld>
             <a:endParaRPr lang="en-US"/>
           </a:p>
@@ -2391,7 +2391,7 @@
           <a:p>
             <a:fld id="{E2F76411-FD66-3B44-B183-E538A4B5CD8B}" type="datetimeFigureOut">
               <a:rPr lang="en-US" smtClean="0"/>
-              <a:t>4/20/21</a:t>
+              <a:t>4/28/21</a:t>
             </a:fld>
             <a:endParaRPr lang="en-US"/>
           </a:p>
@@ -2679,7 +2679,7 @@
           <a:p>
             <a:fld id="{E2F76411-FD66-3B44-B183-E538A4B5CD8B}" type="datetimeFigureOut">
               <a:rPr lang="en-US" smtClean="0"/>
-              <a:t>4/20/21</a:t>
+              <a:t>4/28/21</a:t>
             </a:fld>
             <a:endParaRPr lang="en-US"/>
           </a:p>
@@ -2920,7 +2920,7 @@
           <a:p>
             <a:fld id="{E2F76411-FD66-3B44-B183-E538A4B5CD8B}" type="datetimeFigureOut">
               <a:rPr lang="en-US" smtClean="0"/>
-              <a:t>4/20/21</a:t>
+              <a:t>4/28/21</a:t>
             </a:fld>
             <a:endParaRPr lang="en-US"/>
           </a:p>
@@ -3861,8 +3861,8 @@
         </p:nvSpPr>
         <p:spPr>
           <a:xfrm>
-            <a:off x="6709858" y="2950176"/>
-            <a:ext cx="558326" cy="957648"/>
+            <a:off x="6709858" y="2592828"/>
+            <a:ext cx="558326" cy="772578"/>
           </a:xfrm>
           <a:prstGeom prst="rect">
             <a:avLst/>
@@ -4279,7 +4279,7 @@
         </p:nvSpPr>
         <p:spPr>
           <a:xfrm>
-            <a:off x="5747311" y="3287415"/>
+            <a:off x="5747311" y="3045678"/>
             <a:ext cx="960284" cy="285896"/>
           </a:xfrm>
           <a:prstGeom prst="rightArrow">
@@ -4864,6 +4864,83 @@
           </a:prstGeom>
         </p:spPr>
       </p:pic>
+      <p:pic>
+        <p:nvPicPr>
+          <p:cNvPr id="32" name="Graphic 31" descr="Document outline">
+            <a:extLst>
+              <a:ext uri="{FF2B5EF4-FFF2-40B4-BE49-F238E27FC236}">
+                <a16:creationId xmlns:a16="http://schemas.microsoft.com/office/drawing/2014/main" id="{E937E60F-06AA-294F-91B7-A04B021FFAB1}"/>
+              </a:ext>
+            </a:extLst>
+          </p:cNvPr>
+          <p:cNvPicPr>
+            <a:picLocks noChangeAspect="1"/>
+          </p:cNvPicPr>
+          <p:nvPr/>
+        </p:nvPicPr>
+        <p:blipFill>
+          <a:blip r:embed="rId4">
+            <a:extLst>
+              <a:ext uri="{96DAC541-7B7A-43D3-8B79-37D633B846F1}">
+                <asvg:svgBlip xmlns:asvg="http://schemas.microsoft.com/office/drawing/2016/SVG/main" r:embed="rId5"/>
+              </a:ext>
+            </a:extLst>
+          </a:blip>
+          <a:stretch>
+            <a:fillRect/>
+          </a:stretch>
+        </p:blipFill>
+        <p:spPr>
+          <a:xfrm>
+            <a:off x="6704258" y="3529218"/>
+            <a:ext cx="914400" cy="914400"/>
+          </a:xfrm>
+          <a:prstGeom prst="rect">
+            <a:avLst/>
+          </a:prstGeom>
+        </p:spPr>
+      </p:pic>
+      <p:sp>
+        <p:nvSpPr>
+          <p:cNvPr id="33" name="TextBox 32">
+            <a:extLst>
+              <a:ext uri="{FF2B5EF4-FFF2-40B4-BE49-F238E27FC236}">
+                <a16:creationId xmlns:a16="http://schemas.microsoft.com/office/drawing/2014/main" id="{8DAC6A25-24B2-084F-9C1D-B673EDED03B2}"/>
+              </a:ext>
+            </a:extLst>
+          </p:cNvPr>
+          <p:cNvSpPr txBox="1"/>
+          <p:nvPr/>
+        </p:nvSpPr>
+        <p:spPr>
+          <a:xfrm>
+            <a:off x="6469410" y="4345113"/>
+            <a:ext cx="2107034" cy="276999"/>
+          </a:xfrm>
+          <a:prstGeom prst="rect">
+            <a:avLst/>
+          </a:prstGeom>
+          <a:noFill/>
+        </p:spPr>
+        <p:txBody>
+          <a:bodyPr wrap="square" rtlCol="0">
+            <a:spAutoFit/>
+          </a:bodyPr>
+          <a:lstStyle/>
+          <a:p>
+            <a:pPr algn="ctr"/>
+            <a:r>
+              <a:rPr lang="en-US" sz="1200" dirty="0" err="1">
+                <a:latin typeface="Courier" pitchFamily="2" charset="0"/>
+              </a:rPr>
+              <a:t>SAM_IoT_cert_gen.hex</a:t>
+            </a:r>
+            <a:endParaRPr lang="en-US" sz="1200" dirty="0">
+              <a:latin typeface="Courier" pitchFamily="2" charset="0"/>
+            </a:endParaRPr>
+          </a:p>
+        </p:txBody>
+      </p:sp>
     </p:spTree>
     <p:extLst>
       <p:ext uri="{BB962C8B-B14F-4D97-AF65-F5344CB8AC3E}">
